--- a/Front-end/Presentacion 15-10-18/Presentacion 16-10 (1).pptx
+++ b/Front-end/Presentacion 15-10-18/Presentacion 16-10 (1).pptx
@@ -10,7 +10,8 @@
     <p:sldId id="259" r:id="rId4"/>
     <p:sldId id="261" r:id="rId5"/>
     <p:sldId id="262" r:id="rId6"/>
-    <p:sldId id="260" r:id="rId7"/>
+    <p:sldId id="263" r:id="rId7"/>
+    <p:sldId id="260" r:id="rId8"/>
   </p:sldIdLst>
   <p:sldSz cx="12192000" cy="6858000"/>
   <p:notesSz cx="6858000" cy="9144000"/>
@@ -357,6 +358,46 @@
             <pc:docMk/>
             <pc:sldMk cId="2125786924" sldId="256"/>
             <ac:picMk id="4" creationId="{818084D0-07A4-465D-89F9-914C7CC8EB37}"/>
+          </ac:picMkLst>
+        </pc:picChg>
+      </pc:sldChg>
+    </pc:docChg>
+  </pc:docChgLst>
+  <pc:docChgLst>
+    <pc:chgData clId="Web-{8CE7661B-8B1B-46B3-8440-F5F4D36F35BA}"/>
+    <pc:docChg chg="addSld modSld">
+      <pc:chgData name="" userId="" providerId="" clId="Web-{8CE7661B-8B1B-46B3-8440-F5F4D36F35BA}" dt="2018-10-16T03:42:34.252" v="14" actId="1076"/>
+      <pc:docMkLst>
+        <pc:docMk/>
+      </pc:docMkLst>
+      <pc:sldChg chg="addSp delSp modSp new">
+        <pc:chgData name="" userId="" providerId="" clId="Web-{8CE7661B-8B1B-46B3-8440-F5F4D36F35BA}" dt="2018-10-16T03:42:34.252" v="14" actId="1076"/>
+        <pc:sldMkLst>
+          <pc:docMk/>
+          <pc:sldMk cId="3724698637" sldId="263"/>
+        </pc:sldMkLst>
+        <pc:spChg chg="mod">
+          <ac:chgData name="" userId="" providerId="" clId="Web-{8CE7661B-8B1B-46B3-8440-F5F4D36F35BA}" dt="2018-10-16T03:42:07.563" v="7" actId="20577"/>
+          <ac:spMkLst>
+            <pc:docMk/>
+            <pc:sldMk cId="3724698637" sldId="263"/>
+            <ac:spMk id="2" creationId="{0EE040E2-EDC0-4C59-8A62-53672C2C95AF}"/>
+          </ac:spMkLst>
+        </pc:spChg>
+        <pc:spChg chg="del">
+          <ac:chgData name="" userId="" providerId="" clId="Web-{8CE7661B-8B1B-46B3-8440-F5F4D36F35BA}" dt="2018-10-16T03:42:15.360" v="8"/>
+          <ac:spMkLst>
+            <pc:docMk/>
+            <pc:sldMk cId="3724698637" sldId="263"/>
+            <ac:spMk id="3" creationId="{3C9238B2-A81C-4CA1-A1D2-BF54F73CF8D8}"/>
+          </ac:spMkLst>
+        </pc:spChg>
+        <pc:picChg chg="add mod ord">
+          <ac:chgData name="" userId="" providerId="" clId="Web-{8CE7661B-8B1B-46B3-8440-F5F4D36F35BA}" dt="2018-10-16T03:42:34.252" v="14" actId="1076"/>
+          <ac:picMkLst>
+            <pc:docMk/>
+            <pc:sldMk cId="3724698637" sldId="263"/>
+            <ac:picMk id="4" creationId="{8DD36C9B-7839-40DD-8C18-9843B85AD24D}"/>
           </ac:picMkLst>
         </pc:picChg>
       </pc:sldChg>
@@ -6888,6 +6929,96 @@
           <p:cNvPr id="2" name="Título 1">
             <a:extLst>
               <a:ext uri="{FF2B5EF4-FFF2-40B4-BE49-F238E27FC236}">
+                <a16:creationId xmlns:a16="http://schemas.microsoft.com/office/drawing/2014/main" id="{0EE040E2-EDC0-4C59-8A62-53672C2C95AF}"/>
+              </a:ext>
+            </a:extLst>
+          </p:cNvPr>
+          <p:cNvSpPr>
+            <a:spLocks noGrp="1"/>
+          </p:cNvSpPr>
+          <p:nvPr>
+            <p:ph type="title"/>
+          </p:nvPr>
+        </p:nvSpPr>
+        <p:spPr/>
+        <p:txBody>
+          <a:bodyPr/>
+          <a:lstStyle/>
+          <a:p>
+            <a:r>
+              <a:rPr lang="es-ES" dirty="0"/>
+              <a:t>Diagrama Modular</a:t>
+            </a:r>
+          </a:p>
+        </p:txBody>
+      </p:sp>
+      <p:pic>
+        <p:nvPicPr>
+          <p:cNvPr id="4" name="Imagen 4" descr="Imagen que contiene texto&#10;&#10;Descripción generada con confianza alta">
+            <a:extLst>
+              <a:ext uri="{FF2B5EF4-FFF2-40B4-BE49-F238E27FC236}">
+                <a16:creationId xmlns:a16="http://schemas.microsoft.com/office/drawing/2014/main" id="{8DD36C9B-7839-40DD-8C18-9843B85AD24D}"/>
+              </a:ext>
+            </a:extLst>
+          </p:cNvPr>
+          <p:cNvPicPr>
+            <a:picLocks noGrp="1" noChangeAspect="1"/>
+          </p:cNvPicPr>
+          <p:nvPr>
+            <p:ph idx="1"/>
+          </p:nvPr>
+        </p:nvPicPr>
+        <p:blipFill>
+          <a:blip r:embed="rId2"/>
+          <a:stretch>
+            <a:fillRect/>
+          </a:stretch>
+        </p:blipFill>
+        <p:spPr>
+          <a:xfrm>
+            <a:off x="6064808" y="1280758"/>
+            <a:ext cx="4052749" cy="5302921"/>
+          </a:xfrm>
+          <a:prstGeom prst="rect">
+            <a:avLst/>
+          </a:prstGeom>
+        </p:spPr>
+      </p:pic>
+    </p:spTree>
+    <p:extLst>
+      <p:ext uri="{BB962C8B-B14F-4D97-AF65-F5344CB8AC3E}">
+        <p14:creationId xmlns:p14="http://schemas.microsoft.com/office/powerpoint/2010/main" val="3724698637"/>
+      </p:ext>
+    </p:extLst>
+  </p:cSld>
+  <p:clrMapOvr>
+    <a:masterClrMapping/>
+  </p:clrMapOvr>
+</p:sld>
+</file>
+
+<file path=ppt/slides/slide7.xml><?xml version="1.0" encoding="utf-8"?>
+<p:sld xmlns:a="http://schemas.openxmlformats.org/drawingml/2006/main" xmlns:r="http://schemas.openxmlformats.org/officeDocument/2006/relationships" xmlns:p="http://schemas.openxmlformats.org/presentationml/2006/main">
+  <p:cSld>
+    <p:spTree>
+      <p:nvGrpSpPr>
+        <p:cNvPr id="1" name=""/>
+        <p:cNvGrpSpPr/>
+        <p:nvPr/>
+      </p:nvGrpSpPr>
+      <p:grpSpPr>
+        <a:xfrm>
+          <a:off x="0" y="0"/>
+          <a:ext cx="0" cy="0"/>
+          <a:chOff x="0" y="0"/>
+          <a:chExt cx="0" cy="0"/>
+        </a:xfrm>
+      </p:grpSpPr>
+      <p:sp>
+        <p:nvSpPr>
+          <p:cNvPr id="2" name="Título 1">
+            <a:extLst>
+              <a:ext uri="{FF2B5EF4-FFF2-40B4-BE49-F238E27FC236}">
                 <a16:creationId xmlns:a16="http://schemas.microsoft.com/office/drawing/2014/main" id="{8306270B-0A21-4C5C-9F66-89FB237DEB3B}"/>
               </a:ext>
             </a:extLst>
